--- a/results/images/average_of_lines.pptx
+++ b/results/images/average_of_lines.pptx
@@ -125,6 +125,7 @@
       <c:style val="2"/>
     </mc:Fallback>
   </mc:AlternateContent>
+  <c:clrMapOvr bg1="lt1" tx1="dk1" bg2="lt2" tx2="dk2" accent1="accent1" accent2="accent2" accent3="accent3" accent4="accent4" accent5="accent5" accent6="accent6" hlink="hlink" folHlink="folHlink"/>
   <c:chart>
     <c:autoTitleDeleted val="1"/>
     <c:plotArea>
@@ -133,8 +134,8 @@
           <c:layoutTarget val="inner"/>
           <c:xMode val="edge"/>
           <c:yMode val="edge"/>
-          <c:x val="0.15309022309711287"/>
-          <c:y val="6.8929040119985005E-2"/>
+          <c:x val="0.14475688976377954"/>
+          <c:y val="0.16440463025074389"/>
           <c:w val="0.73086122047244106"/>
           <c:h val="0.6722781520908534"/>
         </c:manualLayout>
@@ -152,14 +153,14 @@
               <c:strCache>
                 <c:ptCount val="1"/>
                 <c:pt idx="0">
-                  <c:v>Projects</c:v>
+                  <c:v># Projects</c:v>
                 </c:pt>
               </c:strCache>
             </c:strRef>
           </c:tx>
           <c:spPr>
             <a:solidFill>
-              <a:srgbClr val="FF5050"/>
+              <a:srgbClr val="5B9BD5"/>
             </a:solidFill>
             <a:ln>
               <a:noFill/>
@@ -173,25 +174,25 @@
               <c:strCache>
                 <c:ptCount val="7"/>
                 <c:pt idx="0">
-                  <c:v>Choose a task</c:v>
+                  <c:v>CT</c:v>
                 </c:pt>
                 <c:pt idx="1">
-                  <c:v>Build local workspace</c:v>
+                  <c:v>TC</c:v>
                 </c:pt>
                 <c:pt idx="2">
-                  <c:v>Talk to the community</c:v>
+                  <c:v>BW</c:v>
                 </c:pt>
                 <c:pt idx="3">
-                  <c:v>Deal with the code</c:v>
+                  <c:v>CF</c:v>
                 </c:pt>
                 <c:pt idx="4">
-                  <c:v>Contribution flow</c:v>
+                  <c:v>DC</c:v>
                 </c:pt>
                 <c:pt idx="5">
-                  <c:v>Submit the changes</c:v>
+                  <c:v>SC</c:v>
                 </c:pt>
                 <c:pt idx="6">
-                  <c:v>No categories identified</c:v>
+                  <c:v>NC</c:v>
                 </c:pt>
               </c:strCache>
             </c:strRef>
@@ -200,22 +201,22 @@
             <c:numRef>
               <c:f>'Average per Category (%)'!$B$4:$H$4</c:f>
               <c:numCache>
-                <c:formatCode>0</c:formatCode>
+                <c:formatCode>General</c:formatCode>
                 <c:ptCount val="7"/>
                 <c:pt idx="0">
                   <c:v>116</c:v>
                 </c:pt>
                 <c:pt idx="1">
+                  <c:v>183</c:v>
+                </c:pt>
+                <c:pt idx="2">
                   <c:v>139</c:v>
                 </c:pt>
-                <c:pt idx="2">
-                  <c:v>183</c:v>
-                </c:pt>
                 <c:pt idx="3">
-                  <c:v>280</c:v>
+                  <c:v>319</c:v>
                 </c:pt>
                 <c:pt idx="4">
-                  <c:v>319</c:v>
+                  <c:v>280</c:v>
                 </c:pt>
                 <c:pt idx="5">
                   <c:v>396</c:v>
@@ -240,7 +241,7 @@
           <c:showPercent val="0"/>
           <c:showBubbleSize val="0"/>
         </c:dLbls>
-        <c:gapWidth val="219"/>
+        <c:gapWidth val="100"/>
         <c:overlap val="-27"/>
         <c:axId val="1483099343"/>
         <c:axId val="92192927"/>
@@ -314,25 +315,25 @@
               <c:strCache>
                 <c:ptCount val="7"/>
                 <c:pt idx="0">
-                  <c:v>Choose a task</c:v>
+                  <c:v>CT</c:v>
                 </c:pt>
                 <c:pt idx="1">
-                  <c:v>Build local workspace</c:v>
+                  <c:v>TC</c:v>
                 </c:pt>
                 <c:pt idx="2">
-                  <c:v>Talk to the community</c:v>
+                  <c:v>BW</c:v>
                 </c:pt>
                 <c:pt idx="3">
-                  <c:v>Deal with the code</c:v>
+                  <c:v>CF</c:v>
                 </c:pt>
                 <c:pt idx="4">
-                  <c:v>Contribution flow</c:v>
+                  <c:v>DC</c:v>
                 </c:pt>
                 <c:pt idx="5">
-                  <c:v>Submit the changes</c:v>
+                  <c:v>SC</c:v>
                 </c:pt>
                 <c:pt idx="6">
-                  <c:v>No categories identified</c:v>
+                  <c:v>NC</c:v>
                 </c:pt>
               </c:strCache>
             </c:strRef>
@@ -341,22 +342,22 @@
             <c:numRef>
               <c:f>'Average per Category (%)'!$B$5:$H$5</c:f>
               <c:numCache>
-                <c:formatCode>General</c:formatCode>
+                <c:formatCode>0</c:formatCode>
                 <c:ptCount val="7"/>
                 <c:pt idx="0">
                   <c:v>1</c:v>
                 </c:pt>
                 <c:pt idx="1">
+                  <c:v>1</c:v>
+                </c:pt>
+                <c:pt idx="2">
                   <c:v>3</c:v>
                 </c:pt>
-                <c:pt idx="2">
-                  <c:v>1</c:v>
-                </c:pt>
                 <c:pt idx="3">
-                  <c:v>5</c:v>
+                  <c:v>4</c:v>
                 </c:pt>
                 <c:pt idx="4">
-                  <c:v>4</c:v>
+                  <c:v>5</c:v>
                 </c:pt>
                 <c:pt idx="5">
                   <c:v>12</c:v>
@@ -416,7 +417,7 @@
           <a:lstStyle/>
           <a:p>
             <a:pPr>
-              <a:defRPr sz="2200" b="0" i="0" u="none" strike="noStrike" kern="1200" baseline="0">
+              <a:defRPr sz="2500" b="0" i="0" u="none" strike="noStrike" kern="1200" baseline="0">
                 <a:solidFill>
                   <a:schemeClr val="tx1"/>
                 </a:solidFill>
@@ -430,7 +431,7 @@
         </c:txPr>
         <c:crossAx val="92192927"/>
         <c:crosses val="autoZero"/>
-        <c:auto val="1"/>
+        <c:auto val="0"/>
         <c:lblAlgn val="ctr"/>
         <c:lblOffset val="0"/>
         <c:noMultiLvlLbl val="0"/>
@@ -439,6 +440,7 @@
         <c:axId val="92192927"/>
         <c:scaling>
           <c:orientation val="minMax"/>
+          <c:max val="500"/>
         </c:scaling>
         <c:delete val="0"/>
         <c:axPos val="l"/>
@@ -473,7 +475,7 @@
                   </a:defRPr>
                 </a:pPr>
                 <a:r>
-                  <a:rPr lang="en-US" sz="2500" b="0" dirty="0"/>
+                  <a:rPr lang="en-US" dirty="0"/>
                   <a:t># Projects</a:t>
                 </a:r>
               </a:p>
@@ -483,8 +485,105 @@
             <c:manualLayout>
               <c:xMode val="edge"/>
               <c:yMode val="edge"/>
-              <c:x val="0"/>
-              <c:y val="0.30373721922147018"/>
+              <c:x val="4.1666666666666666E-3"/>
+              <c:y val="0.35943128775618527"/>
+            </c:manualLayout>
+          </c:layout>
+          <c:overlay val="0"/>
+          <c:spPr>
+            <a:noFill/>
+            <a:ln>
+              <a:noFill/>
+            </a:ln>
+            <a:effectLst/>
+          </c:spPr>
+          <c:txPr>
+            <a:bodyPr rot="-5400000" spcFirstLastPara="1" vertOverflow="ellipsis" vert="horz" wrap="square" anchor="ctr" anchorCtr="1"/>
+            <a:lstStyle/>
+            <a:p>
+              <a:pPr>
+                <a:defRPr sz="2500" b="0" i="0" u="none" strike="noStrike" kern="1200" baseline="0">
+                  <a:solidFill>
+                    <a:schemeClr val="tx1"/>
+                  </a:solidFill>
+                  <a:latin typeface="+mn-lt"/>
+                  <a:ea typeface="+mn-ea"/>
+                  <a:cs typeface="+mn-cs"/>
+                </a:defRPr>
+              </a:pPr>
+              <a:endParaRPr lang="en-US"/>
+            </a:p>
+          </c:txPr>
+        </c:title>
+        <c:numFmt formatCode="General" sourceLinked="1"/>
+        <c:majorTickMark val="none"/>
+        <c:minorTickMark val="none"/>
+        <c:tickLblPos val="nextTo"/>
+        <c:spPr>
+          <a:noFill/>
+          <a:ln>
+            <a:noFill/>
+          </a:ln>
+          <a:effectLst/>
+        </c:spPr>
+        <c:txPr>
+          <a:bodyPr rot="-60000000" spcFirstLastPara="1" vertOverflow="ellipsis" vert="horz" wrap="square" anchor="ctr" anchorCtr="1"/>
+          <a:lstStyle/>
+          <a:p>
+            <a:pPr>
+              <a:defRPr sz="2500" b="0" i="0" u="none" strike="noStrike" kern="1200" baseline="0">
+                <a:solidFill>
+                  <a:schemeClr val="tx1"/>
+                </a:solidFill>
+                <a:latin typeface="+mn-lt"/>
+                <a:ea typeface="+mn-ea"/>
+                <a:cs typeface="+mn-cs"/>
+              </a:defRPr>
+            </a:pPr>
+            <a:endParaRPr lang="en-US"/>
+          </a:p>
+        </c:txPr>
+        <c:crossAx val="1483099343"/>
+        <c:crosses val="autoZero"/>
+        <c:crossBetween val="between"/>
+        <c:majorUnit val="100"/>
+      </c:valAx>
+      <c:valAx>
+        <c:axId val="92196255"/>
+        <c:scaling>
+          <c:orientation val="minMax"/>
+        </c:scaling>
+        <c:delete val="0"/>
+        <c:axPos val="r"/>
+        <c:title>
+          <c:tx>
+            <c:rich>
+              <a:bodyPr rot="-5400000" spcFirstLastPara="1" vertOverflow="ellipsis" vert="horz" wrap="square" anchor="ctr" anchorCtr="1"/>
+              <a:lstStyle/>
+              <a:p>
+                <a:pPr>
+                  <a:defRPr sz="2500" b="0" i="0" u="none" strike="noStrike" kern="1200" baseline="0">
+                    <a:solidFill>
+                      <a:schemeClr val="tx1"/>
+                    </a:solidFill>
+                    <a:latin typeface="+mn-lt"/>
+                    <a:ea typeface="+mn-ea"/>
+                    <a:cs typeface="+mn-cs"/>
+                  </a:defRPr>
+                </a:pPr>
+                <a:r>
+                  <a:rPr lang="en-US" dirty="0"/>
+                  <a:t>Average</a:t>
+                </a:r>
+              </a:p>
+            </c:rich>
+          </c:tx>
+          <c:layout>
+            <c:manualLayout>
+              <c:xMode val="edge"/>
+              <c:yMode val="edge"/>
+              <c:x val="0.95205555555555554"/>
+              <c:y val="0.42985642419697528"/>
             </c:manualLayout>
           </c:layout>
           <c:overlay val="0"/>
@@ -514,102 +613,6 @@
           </c:txPr>
         </c:title>
         <c:numFmt formatCode="0" sourceLinked="1"/>
-        <c:majorTickMark val="none"/>
-        <c:minorTickMark val="none"/>
-        <c:tickLblPos val="nextTo"/>
-        <c:spPr>
-          <a:noFill/>
-          <a:ln>
-            <a:noFill/>
-          </a:ln>
-          <a:effectLst/>
-        </c:spPr>
-        <c:txPr>
-          <a:bodyPr rot="-60000000" spcFirstLastPara="1" vertOverflow="ellipsis" vert="horz" wrap="square" anchor="ctr" anchorCtr="1"/>
-          <a:lstStyle/>
-          <a:p>
-            <a:pPr>
-              <a:defRPr sz="2500" b="0" i="0" u="none" strike="noStrike" kern="1200" baseline="0">
-                <a:solidFill>
-                  <a:schemeClr val="tx1"/>
-                </a:solidFill>
-                <a:latin typeface="+mn-lt"/>
-                <a:ea typeface="+mn-ea"/>
-                <a:cs typeface="+mn-cs"/>
-              </a:defRPr>
-            </a:pPr>
-            <a:endParaRPr lang="en-US"/>
-          </a:p>
-        </c:txPr>
-        <c:crossAx val="1483099343"/>
-        <c:crosses val="autoZero"/>
-        <c:crossBetween val="between"/>
-      </c:valAx>
-      <c:valAx>
-        <c:axId val="92196255"/>
-        <c:scaling>
-          <c:orientation val="minMax"/>
-        </c:scaling>
-        <c:delete val="0"/>
-        <c:axPos val="r"/>
-        <c:title>
-          <c:tx>
-            <c:rich>
-              <a:bodyPr rot="-5400000" spcFirstLastPara="1" vertOverflow="ellipsis" vert="horz" wrap="square" anchor="ctr" anchorCtr="1"/>
-              <a:lstStyle/>
-              <a:p>
-                <a:pPr>
-                  <a:defRPr sz="2500" b="0" i="0" u="none" strike="noStrike" kern="1200" baseline="0">
-                    <a:solidFill>
-                      <a:schemeClr val="tx1"/>
-                    </a:solidFill>
-                    <a:latin typeface="+mn-lt"/>
-                    <a:ea typeface="+mn-ea"/>
-                    <a:cs typeface="+mn-cs"/>
-                  </a:defRPr>
-                </a:pPr>
-                <a:r>
-                  <a:rPr lang="en-US" sz="2500" dirty="0"/>
-                  <a:t>Average</a:t>
-                </a:r>
-              </a:p>
-            </c:rich>
-          </c:tx>
-          <c:layout>
-            <c:manualLayout>
-              <c:xMode val="edge"/>
-              <c:yMode val="edge"/>
-              <c:x val="0.95344444444444443"/>
-              <c:y val="0.26277420049018929"/>
-            </c:manualLayout>
-          </c:layout>
-          <c:overlay val="0"/>
-          <c:spPr>
-            <a:noFill/>
-            <a:ln>
-              <a:noFill/>
-            </a:ln>
-            <a:effectLst/>
-          </c:spPr>
-          <c:txPr>
-            <a:bodyPr rot="-5400000" spcFirstLastPara="1" vertOverflow="ellipsis" vert="horz" wrap="square" anchor="ctr" anchorCtr="1"/>
-            <a:lstStyle/>
-            <a:p>
-              <a:pPr>
-                <a:defRPr sz="2500" b="0" i="0" u="none" strike="noStrike" kern="1200" baseline="0">
-                  <a:solidFill>
-                    <a:schemeClr val="tx1"/>
-                  </a:solidFill>
-                  <a:latin typeface="+mn-lt"/>
-                  <a:ea typeface="+mn-ea"/>
-                  <a:cs typeface="+mn-cs"/>
-                </a:defRPr>
-              </a:pPr>
-              <a:endParaRPr lang="en-US"/>
-            </a:p>
-          </c:txPr>
-        </c:title>
-        <c:numFmt formatCode="General" sourceLinked="1"/>
         <c:majorTickMark val="out"/>
         <c:minorTickMark val="none"/>
         <c:tickLblPos val="nextTo"/>
@@ -677,9 +680,9 @@
         <c:manualLayout>
           <c:xMode val="edge"/>
           <c:yMode val="edge"/>
-          <c:x val="0.33773173665791778"/>
-          <c:y val="0"/>
-          <c:w val="0.32207556867891513"/>
+          <c:x val="0.30162062554680663"/>
+          <c:y val="6.7628511792153997E-2"/>
+          <c:w val="0.35818667979002627"/>
           <c:h val="6.481686972709437E-2"/>
         </c:manualLayout>
       </c:layout>
@@ -696,7 +699,7 @@
         <a:lstStyle/>
         <a:p>
           <a:pPr>
-            <a:defRPr sz="2200" b="0" i="0" u="none" strike="noStrike" kern="1200" baseline="0">
+            <a:defRPr sz="2500" b="0" i="0" u="none" strike="noStrike" kern="1200" baseline="0">
               <a:solidFill>
                 <a:schemeClr val="tx1"/>
               </a:solidFill>
@@ -711,14 +714,8 @@
     </c:legend>
     <c:plotVisOnly val="1"/>
     <c:dispBlanksAs val="gap"/>
-    <c:extLst>
-      <c:ext xmlns:c16r3="http://schemas.microsoft.com/office/drawing/2017/03/chart" uri="{56B9EC1D-385E-4148-901F-78D8002777C0}">
-        <c16r3:dataDisplayOptions16>
-          <c16r3:dispNaAsBlank val="1"/>
-        </c16r3:dataDisplayOptions16>
-      </c:ext>
-    </c:extLst>
     <c:showDLblsOverMax val="0"/>
+    <c:extLst/>
   </c:chart>
   <c:spPr>
     <a:noFill/>
@@ -741,7 +738,7 @@
       <a:endParaRPr lang="en-US"/>
     </a:p>
   </c:txPr>
-  <c:externalData r:id="rId3">
+  <c:externalData r:id="rId4">
     <c:autoUpdate val="0"/>
   </c:externalData>
 </c:chartSpace>
@@ -1421,7 +1418,7 @@
           <a:p>
             <a:fld id="{857C8E90-7EDD-4CDC-BF79-D3D421C99482}" type="datetimeFigureOut">
               <a:rPr lang="en-US" smtClean="0"/>
-              <a:t>5/3/2021</a:t>
+              <a:t>1/31/2023</a:t>
             </a:fld>
             <a:endParaRPr lang="en-US"/>
           </a:p>
@@ -1591,7 +1588,7 @@
           <a:p>
             <a:fld id="{857C8E90-7EDD-4CDC-BF79-D3D421C99482}" type="datetimeFigureOut">
               <a:rPr lang="en-US" smtClean="0"/>
-              <a:t>5/3/2021</a:t>
+              <a:t>1/31/2023</a:t>
             </a:fld>
             <a:endParaRPr lang="en-US"/>
           </a:p>
@@ -1771,7 +1768,7 @@
           <a:p>
             <a:fld id="{857C8E90-7EDD-4CDC-BF79-D3D421C99482}" type="datetimeFigureOut">
               <a:rPr lang="en-US" smtClean="0"/>
-              <a:t>5/3/2021</a:t>
+              <a:t>1/31/2023</a:t>
             </a:fld>
             <a:endParaRPr lang="en-US"/>
           </a:p>
@@ -1941,7 +1938,7 @@
           <a:p>
             <a:fld id="{857C8E90-7EDD-4CDC-BF79-D3D421C99482}" type="datetimeFigureOut">
               <a:rPr lang="en-US" smtClean="0"/>
-              <a:t>5/3/2021</a:t>
+              <a:t>1/31/2023</a:t>
             </a:fld>
             <a:endParaRPr lang="en-US"/>
           </a:p>
@@ -2185,7 +2182,7 @@
           <a:p>
             <a:fld id="{857C8E90-7EDD-4CDC-BF79-D3D421C99482}" type="datetimeFigureOut">
               <a:rPr lang="en-US" smtClean="0"/>
-              <a:t>5/3/2021</a:t>
+              <a:t>1/31/2023</a:t>
             </a:fld>
             <a:endParaRPr lang="en-US"/>
           </a:p>
@@ -2417,7 +2414,7 @@
           <a:p>
             <a:fld id="{857C8E90-7EDD-4CDC-BF79-D3D421C99482}" type="datetimeFigureOut">
               <a:rPr lang="en-US" smtClean="0"/>
-              <a:t>5/3/2021</a:t>
+              <a:t>1/31/2023</a:t>
             </a:fld>
             <a:endParaRPr lang="en-US"/>
           </a:p>
@@ -2784,7 +2781,7 @@
           <a:p>
             <a:fld id="{857C8E90-7EDD-4CDC-BF79-D3D421C99482}" type="datetimeFigureOut">
               <a:rPr lang="en-US" smtClean="0"/>
-              <a:t>5/3/2021</a:t>
+              <a:t>1/31/2023</a:t>
             </a:fld>
             <a:endParaRPr lang="en-US"/>
           </a:p>
@@ -2902,7 +2899,7 @@
           <a:p>
             <a:fld id="{857C8E90-7EDD-4CDC-BF79-D3D421C99482}" type="datetimeFigureOut">
               <a:rPr lang="en-US" smtClean="0"/>
-              <a:t>5/3/2021</a:t>
+              <a:t>1/31/2023</a:t>
             </a:fld>
             <a:endParaRPr lang="en-US"/>
           </a:p>
@@ -2997,7 +2994,7 @@
           <a:p>
             <a:fld id="{857C8E90-7EDD-4CDC-BF79-D3D421C99482}" type="datetimeFigureOut">
               <a:rPr lang="en-US" smtClean="0"/>
-              <a:t>5/3/2021</a:t>
+              <a:t>1/31/2023</a:t>
             </a:fld>
             <a:endParaRPr lang="en-US"/>
           </a:p>
@@ -3274,7 +3271,7 @@
           <a:p>
             <a:fld id="{857C8E90-7EDD-4CDC-BF79-D3D421C99482}" type="datetimeFigureOut">
               <a:rPr lang="en-US" smtClean="0"/>
-              <a:t>5/3/2021</a:t>
+              <a:t>1/31/2023</a:t>
             </a:fld>
             <a:endParaRPr lang="en-US"/>
           </a:p>
@@ -3531,7 +3528,7 @@
           <a:p>
             <a:fld id="{857C8E90-7EDD-4CDC-BF79-D3D421C99482}" type="datetimeFigureOut">
               <a:rPr lang="en-US" smtClean="0"/>
-              <a:t>5/3/2021</a:t>
+              <a:t>1/31/2023</a:t>
             </a:fld>
             <a:endParaRPr lang="en-US"/>
           </a:p>
@@ -3744,7 +3741,7 @@
           <a:p>
             <a:fld id="{857C8E90-7EDD-4CDC-BF79-D3D421C99482}" type="datetimeFigureOut">
               <a:rPr lang="en-US" smtClean="0"/>
-              <a:t>5/3/2021</a:t>
+              <a:t>1/31/2023</a:t>
             </a:fld>
             <a:endParaRPr lang="en-US"/>
           </a:p>
@@ -4151,10 +4148,10 @@
       </p:grpSpPr>
       <p:graphicFrame>
         <p:nvGraphicFramePr>
-          <p:cNvPr id="3" name="Chart 2">
+          <p:cNvPr id="5" name="Chart 4">
             <a:extLst>
               <a:ext uri="{FF2B5EF4-FFF2-40B4-BE49-F238E27FC236}">
-                <a16:creationId xmlns:a16="http://schemas.microsoft.com/office/drawing/2014/main" id="{3FA79A77-2064-4FC5-A6FE-03DE955CE69C}"/>
+                <a16:creationId xmlns:a16="http://schemas.microsoft.com/office/drawing/2014/main" id="{742F2AF1-ED96-4A3D-A580-A98081833685}"/>
               </a:ext>
             </a:extLst>
           </p:cNvPr>
@@ -4164,14 +4161,14 @@
           <p:nvPr>
             <p:extLst>
               <p:ext uri="{D42A27DB-BD31-4B8C-83A1-F6EECF244321}">
-                <p14:modId xmlns:p14="http://schemas.microsoft.com/office/powerpoint/2010/main" val="4224696194"/>
+                <p14:modId xmlns:p14="http://schemas.microsoft.com/office/powerpoint/2010/main" val="3136781273"/>
               </p:ext>
             </p:extLst>
           </p:nvPr>
         </p:nvGraphicFramePr>
         <p:xfrm>
           <a:off x="0" y="0"/>
-          <a:ext cx="9144000" cy="6384881"/>
+          <a:ext cx="9144000" cy="6400800"/>
         </p:xfrm>
         <a:graphic>
           <a:graphicData uri="http://schemas.openxmlformats.org/drawingml/2006/chart">
@@ -4451,4 +4448,256 @@
     </a:ext>
   </a:extLst>
 </a:theme>
+</file>
+
+<file path=ppt/theme/themeOverride1.xml><?xml version="1.0" encoding="utf-8"?>
+<a:themeOverride xmlns:a="http://schemas.openxmlformats.org/drawingml/2006/main">
+  <a:clrScheme name="Office Theme">
+    <a:dk1>
+      <a:sysClr val="windowText" lastClr="000000"/>
+    </a:dk1>
+    <a:lt1>
+      <a:sysClr val="window" lastClr="FFFFFF"/>
+    </a:lt1>
+    <a:dk2>
+      <a:srgbClr val="44546A"/>
+    </a:dk2>
+    <a:lt2>
+      <a:srgbClr val="E7E6E6"/>
+    </a:lt2>
+    <a:accent1>
+      <a:srgbClr val="4472C4"/>
+    </a:accent1>
+    <a:accent2>
+      <a:srgbClr val="ED7D31"/>
+    </a:accent2>
+    <a:accent3>
+      <a:srgbClr val="A5A5A5"/>
+    </a:accent3>
+    <a:accent4>
+      <a:srgbClr val="FFC000"/>
+    </a:accent4>
+    <a:accent5>
+      <a:srgbClr val="5B9BD5"/>
+    </a:accent5>
+    <a:accent6>
+      <a:srgbClr val="70AD47"/>
+    </a:accent6>
+    <a:hlink>
+      <a:srgbClr val="0563C1"/>
+    </a:hlink>
+    <a:folHlink>
+      <a:srgbClr val="954F72"/>
+    </a:folHlink>
+  </a:clrScheme>
+  <a:fontScheme name="Office Theme">
+    <a:majorFont>
+      <a:latin typeface="Calibri Light" panose="020F0302020204030204"/>
+      <a:ea typeface=""/>
+      <a:cs typeface=""/>
+      <a:font script="Jpan" typeface="游ゴシック Light"/>
+      <a:font script="Hang" typeface="맑은 고딕"/>
+      <a:font script="Hans" typeface="等线 Light"/>
+      <a:font script="Hant" typeface="新細明體"/>
+      <a:font script="Arab" typeface="Times New Roman"/>
+      <a:font script="Hebr" typeface="Times New Roman"/>
+      <a:font script="Thai" typeface="Angsana New"/>
+      <a:font script="Ethi" typeface="Nyala"/>
+      <a:font script="Beng" typeface="Vrinda"/>
+      <a:font script="Gujr" typeface="Shruti"/>
+      <a:font script="Khmr" typeface="MoolBoran"/>
+      <a:font script="Knda" typeface="Tunga"/>
+      <a:font script="Guru" typeface="Raavi"/>
+      <a:font script="Cans" typeface="Euphemia"/>
+      <a:font script="Cher" typeface="Plantagenet Cherokee"/>
+      <a:font script="Yiii" typeface="Microsoft Yi Baiti"/>
+      <a:font script="Tibt" typeface="Microsoft Himalaya"/>
+      <a:font script="Thaa" typeface="MV Boli"/>
+      <a:font script="Deva" typeface="Mangal"/>
+      <a:font script="Telu" typeface="Gautami"/>
+      <a:font script="Taml" typeface="Latha"/>
+      <a:font script="Syrc" typeface="Estrangelo Edessa"/>
+      <a:font script="Orya" typeface="Kalinga"/>
+      <a:font script="Mlym" typeface="Kartika"/>
+      <a:font script="Laoo" typeface="DokChampa"/>
+      <a:font script="Sinh" typeface="Iskoola Pota"/>
+      <a:font script="Mong" typeface="Mongolian Baiti"/>
+      <a:font script="Viet" typeface="Times New Roman"/>
+      <a:font script="Uigh" typeface="Microsoft Uighur"/>
+      <a:font script="Geor" typeface="Sylfaen"/>
+    </a:majorFont>
+    <a:minorFont>
+      <a:latin typeface="Calibri" panose="020F0502020204030204"/>
+      <a:ea typeface=""/>
+      <a:cs typeface=""/>
+      <a:font script="Jpan" typeface="游ゴシック"/>
+      <a:font script="Hang" typeface="맑은 고딕"/>
+      <a:font script="Hans" typeface="等线"/>
+      <a:font script="Hant" typeface="新細明體"/>
+      <a:font script="Arab" typeface="Arial"/>
+      <a:font script="Hebr" typeface="Arial"/>
+      <a:font script="Thai" typeface="Cordia New"/>
+      <a:font script="Ethi" typeface="Nyala"/>
+      <a:font script="Beng" typeface="Vrinda"/>
+      <a:font script="Gujr" typeface="Shruti"/>
+      <a:font script="Khmr" typeface="DaunPenh"/>
+      <a:font script="Knda" typeface="Tunga"/>
+      <a:font script="Guru" typeface="Raavi"/>
+      <a:font script="Cans" typeface="Euphemia"/>
+      <a:font script="Cher" typeface="Plantagenet Cherokee"/>
+      <a:font script="Yiii" typeface="Microsoft Yi Baiti"/>
+      <a:font script="Tibt" typeface="Microsoft Himalaya"/>
+      <a:font script="Thaa" typeface="MV Boli"/>
+      <a:font script="Deva" typeface="Mangal"/>
+      <a:font script="Telu" typeface="Gautami"/>
+      <a:font script="Taml" typeface="Latha"/>
+      <a:font script="Syrc" typeface="Estrangelo Edessa"/>
+      <a:font script="Orya" typeface="Kalinga"/>
+      <a:font script="Mlym" typeface="Kartika"/>
+      <a:font script="Laoo" typeface="DokChampa"/>
+      <a:font script="Sinh" typeface="Iskoola Pota"/>
+      <a:font script="Mong" typeface="Mongolian Baiti"/>
+      <a:font script="Viet" typeface="Arial"/>
+      <a:font script="Uigh" typeface="Microsoft Uighur"/>
+      <a:font script="Geor" typeface="Sylfaen"/>
+    </a:minorFont>
+  </a:fontScheme>
+  <a:fmtScheme name="Office Theme">
+    <a:fillStyleLst>
+      <a:solidFill>
+        <a:schemeClr val="phClr"/>
+      </a:solidFill>
+      <a:gradFill rotWithShape="1">
+        <a:gsLst>
+          <a:gs pos="0">
+            <a:schemeClr val="phClr">
+              <a:lumMod val="110000"/>
+              <a:satMod val="105000"/>
+              <a:tint val="67000"/>
+            </a:schemeClr>
+          </a:gs>
+          <a:gs pos="50000">
+            <a:schemeClr val="phClr">
+              <a:lumMod val="105000"/>
+              <a:satMod val="103000"/>
+              <a:tint val="73000"/>
+            </a:schemeClr>
+          </a:gs>
+          <a:gs pos="100000">
+            <a:schemeClr val="phClr">
+              <a:lumMod val="105000"/>
+              <a:satMod val="109000"/>
+              <a:tint val="81000"/>
+            </a:schemeClr>
+          </a:gs>
+        </a:gsLst>
+        <a:lin ang="5400000" scaled="0"/>
+      </a:gradFill>
+      <a:gradFill rotWithShape="1">
+        <a:gsLst>
+          <a:gs pos="0">
+            <a:schemeClr val="phClr">
+              <a:satMod val="103000"/>
+              <a:lumMod val="102000"/>
+              <a:tint val="94000"/>
+            </a:schemeClr>
+          </a:gs>
+          <a:gs pos="50000">
+            <a:schemeClr val="phClr">
+              <a:satMod val="110000"/>
+              <a:lumMod val="100000"/>
+              <a:shade val="100000"/>
+            </a:schemeClr>
+          </a:gs>
+          <a:gs pos="100000">
+            <a:schemeClr val="phClr">
+              <a:lumMod val="99000"/>
+              <a:satMod val="120000"/>
+              <a:shade val="78000"/>
+            </a:schemeClr>
+          </a:gs>
+        </a:gsLst>
+        <a:lin ang="5400000" scaled="0"/>
+      </a:gradFill>
+    </a:fillStyleLst>
+    <a:lnStyleLst>
+      <a:ln w="6350" cap="flat" cmpd="sng" algn="ctr">
+        <a:solidFill>
+          <a:schemeClr val="phClr"/>
+        </a:solidFill>
+        <a:prstDash val="solid"/>
+        <a:miter lim="800000"/>
+      </a:ln>
+      <a:ln w="12700" cap="flat" cmpd="sng" algn="ctr">
+        <a:solidFill>
+          <a:schemeClr val="phClr"/>
+        </a:solidFill>
+        <a:prstDash val="solid"/>
+        <a:miter lim="800000"/>
+      </a:ln>
+      <a:ln w="19050" cap="flat" cmpd="sng" algn="ctr">
+        <a:solidFill>
+          <a:schemeClr val="phClr"/>
+        </a:solidFill>
+        <a:prstDash val="solid"/>
+        <a:miter lim="800000"/>
+      </a:ln>
+    </a:lnStyleLst>
+    <a:effectStyleLst>
+      <a:effectStyle>
+        <a:effectLst/>
+      </a:effectStyle>
+      <a:effectStyle>
+        <a:effectLst/>
+      </a:effectStyle>
+      <a:effectStyle>
+        <a:effectLst>
+          <a:outerShdw blurRad="57150" dist="19050" dir="5400000" algn="ctr" rotWithShape="0">
+            <a:srgbClr val="000000">
+              <a:alpha val="63000"/>
+            </a:srgbClr>
+          </a:outerShdw>
+        </a:effectLst>
+      </a:effectStyle>
+    </a:effectStyleLst>
+    <a:bgFillStyleLst>
+      <a:solidFill>
+        <a:schemeClr val="phClr"/>
+      </a:solidFill>
+      <a:solidFill>
+        <a:schemeClr val="phClr">
+          <a:tint val="95000"/>
+          <a:satMod val="170000"/>
+        </a:schemeClr>
+      </a:solidFill>
+      <a:gradFill rotWithShape="1">
+        <a:gsLst>
+          <a:gs pos="0">
+            <a:schemeClr val="phClr">
+              <a:tint val="93000"/>
+              <a:satMod val="150000"/>
+              <a:shade val="98000"/>
+              <a:lumMod val="102000"/>
+            </a:schemeClr>
+          </a:gs>
+          <a:gs pos="50000">
+            <a:schemeClr val="phClr">
+              <a:tint val="98000"/>
+              <a:satMod val="130000"/>
+              <a:shade val="90000"/>
+              <a:lumMod val="103000"/>
+            </a:schemeClr>
+          </a:gs>
+          <a:gs pos="100000">
+            <a:schemeClr val="phClr">
+              <a:shade val="63000"/>
+              <a:satMod val="120000"/>
+            </a:schemeClr>
+          </a:gs>
+        </a:gsLst>
+        <a:lin ang="5400000" scaled="0"/>
+      </a:gradFill>
+    </a:bgFillStyleLst>
+  </a:fmtScheme>
+</a:themeOverride>
 </file>